--- a/trackedlegged_locomotion.pptx
+++ b/trackedlegged_locomotion.pptx
@@ -5,12 +5,13 @@
     <p:sldMasterId id="2147483648" r:id="rId1"/>
   </p:sldMasterIdLst>
   <p:notesMasterIdLst>
-    <p:notesMasterId r:id="rId5"/>
+    <p:notesMasterId r:id="rId6"/>
   </p:notesMasterIdLst>
   <p:sldIdLst>
     <p:sldId id="256" r:id="rId2"/>
     <p:sldId id="262" r:id="rId3"/>
     <p:sldId id="263" r:id="rId4"/>
+    <p:sldId id="264" r:id="rId5"/>
   </p:sldIdLst>
   <p:sldSz cx="9144000" cy="6858000" type="screen4x3"/>
   <p:notesSz cx="6858000" cy="9144000"/>
@@ -209,7 +210,7 @@
           </a:lstStyle>
           <a:p>
             <a:fld id="{A6005765-EBBA-4962-9462-A074EAAA8F1B}" type="datetimeFigureOut">
-              <a:t>04/09/2025</a:t>
+              <a:t>05/09/2025</a:t>
             </a:fld>
             <a:endParaRPr lang="it-IT"/>
           </a:p>
@@ -654,7 +655,7 @@
           <a:p>
             <a:fld id="{8DF5B5D2-CA2A-6548-955E-9897154AE4E2}" type="datetimeFigureOut">
               <a:rPr lang="it-IT" smtClean="0"/>
-              <a:t>04/09/2025</a:t>
+              <a:t>05/09/2025</a:t>
             </a:fld>
             <a:endParaRPr lang="it-IT"/>
           </a:p>
@@ -822,7 +823,7 @@
           <a:p>
             <a:fld id="{8DF5B5D2-CA2A-6548-955E-9897154AE4E2}" type="datetimeFigureOut">
               <a:rPr lang="it-IT" smtClean="0"/>
-              <a:t>04/09/2025</a:t>
+              <a:t>05/09/2025</a:t>
             </a:fld>
             <a:endParaRPr lang="it-IT"/>
           </a:p>
@@ -1000,7 +1001,7 @@
           <a:p>
             <a:fld id="{8DF5B5D2-CA2A-6548-955E-9897154AE4E2}" type="datetimeFigureOut">
               <a:rPr lang="it-IT" smtClean="0"/>
-              <a:t>04/09/2025</a:t>
+              <a:t>05/09/2025</a:t>
             </a:fld>
             <a:endParaRPr lang="it-IT"/>
           </a:p>
@@ -1168,7 +1169,7 @@
           <a:p>
             <a:fld id="{8DF5B5D2-CA2A-6548-955E-9897154AE4E2}" type="datetimeFigureOut">
               <a:rPr lang="it-IT" smtClean="0"/>
-              <a:t>04/09/2025</a:t>
+              <a:t>05/09/2025</a:t>
             </a:fld>
             <a:endParaRPr lang="it-IT"/>
           </a:p>
@@ -1413,7 +1414,7 @@
           <a:p>
             <a:fld id="{8DF5B5D2-CA2A-6548-955E-9897154AE4E2}" type="datetimeFigureOut">
               <a:rPr lang="it-IT" smtClean="0"/>
-              <a:t>04/09/2025</a:t>
+              <a:t>05/09/2025</a:t>
             </a:fld>
             <a:endParaRPr lang="it-IT"/>
           </a:p>
@@ -1698,7 +1699,7 @@
           <a:p>
             <a:fld id="{8DF5B5D2-CA2A-6548-955E-9897154AE4E2}" type="datetimeFigureOut">
               <a:rPr lang="it-IT" smtClean="0"/>
-              <a:t>04/09/2025</a:t>
+              <a:t>05/09/2025</a:t>
             </a:fld>
             <a:endParaRPr lang="it-IT"/>
           </a:p>
@@ -2117,7 +2118,7 @@
           <a:p>
             <a:fld id="{8DF5B5D2-CA2A-6548-955E-9897154AE4E2}" type="datetimeFigureOut">
               <a:rPr lang="it-IT" smtClean="0"/>
-              <a:t>04/09/2025</a:t>
+              <a:t>05/09/2025</a:t>
             </a:fld>
             <a:endParaRPr lang="it-IT"/>
           </a:p>
@@ -2234,7 +2235,7 @@
           <a:p>
             <a:fld id="{8DF5B5D2-CA2A-6548-955E-9897154AE4E2}" type="datetimeFigureOut">
               <a:rPr lang="it-IT" smtClean="0"/>
-              <a:t>04/09/2025</a:t>
+              <a:t>05/09/2025</a:t>
             </a:fld>
             <a:endParaRPr lang="it-IT"/>
           </a:p>
@@ -2329,7 +2330,7 @@
           <a:p>
             <a:fld id="{8DF5B5D2-CA2A-6548-955E-9897154AE4E2}" type="datetimeFigureOut">
               <a:rPr lang="it-IT" smtClean="0"/>
-              <a:t>04/09/2025</a:t>
+              <a:t>05/09/2025</a:t>
             </a:fld>
             <a:endParaRPr lang="it-IT"/>
           </a:p>
@@ -2604,7 +2605,7 @@
           <a:p>
             <a:fld id="{8DF5B5D2-CA2A-6548-955E-9897154AE4E2}" type="datetimeFigureOut">
               <a:rPr lang="it-IT" smtClean="0"/>
-              <a:t>04/09/2025</a:t>
+              <a:t>05/09/2025</a:t>
             </a:fld>
             <a:endParaRPr lang="it-IT"/>
           </a:p>
@@ -2856,7 +2857,7 @@
           <a:p>
             <a:fld id="{8DF5B5D2-CA2A-6548-955E-9897154AE4E2}" type="datetimeFigureOut">
               <a:rPr lang="it-IT" smtClean="0"/>
-              <a:t>04/09/2025</a:t>
+              <a:t>05/09/2025</a:t>
             </a:fld>
             <a:endParaRPr lang="it-IT"/>
           </a:p>
@@ -3067,7 +3068,7 @@
           <a:p>
             <a:fld id="{8DF5B5D2-CA2A-6548-955E-9897154AE4E2}" type="datetimeFigureOut">
               <a:rPr lang="it-IT" smtClean="0"/>
-              <a:t>04/09/2025</a:t>
+              <a:t>05/09/2025</a:t>
             </a:fld>
             <a:endParaRPr lang="it-IT"/>
           </a:p>
@@ -3875,8 +3876,8 @@
         </p:blipFill>
         <p:spPr>
           <a:xfrm>
-            <a:off x="6037992" y="5359061"/>
-            <a:ext cx="3106008" cy="1008675"/>
+            <a:off x="7438076" y="5813738"/>
+            <a:ext cx="1705923" cy="553998"/>
           </a:xfrm>
           <a:prstGeom prst="rect">
             <a:avLst/>
@@ -4396,8 +4397,8 @@
         </p:blipFill>
         <p:spPr>
           <a:xfrm>
-            <a:off x="6037992" y="5359061"/>
-            <a:ext cx="3106008" cy="1008675"/>
+            <a:off x="7689272" y="5895314"/>
+            <a:ext cx="1454727" cy="472422"/>
           </a:xfrm>
           <a:prstGeom prst="rect">
             <a:avLst/>
@@ -4847,7 +4848,7 @@
         </p:blipFill>
         <p:spPr>
           <a:xfrm>
-            <a:off x="3394619" y="4786751"/>
+            <a:off x="3394619" y="5177121"/>
             <a:ext cx="2582114" cy="809172"/>
           </a:xfrm>
           <a:prstGeom prst="rect">
@@ -4877,7 +4878,7 @@
         </p:blipFill>
         <p:spPr>
           <a:xfrm>
-            <a:off x="5863056" y="3128731"/>
+            <a:off x="5863056" y="3244236"/>
             <a:ext cx="3151802" cy="1658020"/>
           </a:xfrm>
           <a:prstGeom prst="rect">
@@ -4899,7 +4900,7 @@
         </p:nvGrpSpPr>
         <p:grpSpPr>
           <a:xfrm>
-            <a:off x="453431" y="3461277"/>
+            <a:off x="463822" y="3640899"/>
             <a:ext cx="2704992" cy="1166114"/>
             <a:chOff x="530805" y="3815439"/>
             <a:chExt cx="2704992" cy="1166114"/>
@@ -5088,8 +5089,8 @@
         </p:nvCxnSpPr>
         <p:spPr>
           <a:xfrm flipV="1">
-            <a:off x="5976733" y="4786751"/>
-            <a:ext cx="1462224" cy="404586"/>
+            <a:off x="5976733" y="4902256"/>
+            <a:ext cx="1462224" cy="679451"/>
           </a:xfrm>
           <a:prstGeom prst="curvedConnector2">
             <a:avLst/>
@@ -5130,8 +5131,8 @@
         </p:nvCxnSpPr>
         <p:spPr>
           <a:xfrm rot="16200000" flipH="1">
-            <a:off x="2318300" y="4115018"/>
-            <a:ext cx="563946" cy="1588692"/>
+            <a:off x="2218121" y="4405209"/>
+            <a:ext cx="774694" cy="1578301"/>
           </a:xfrm>
           <a:prstGeom prst="curvedConnector2">
             <a:avLst/>
@@ -5177,8 +5178,8 @@
         </p:blipFill>
         <p:spPr>
           <a:xfrm>
-            <a:off x="6037992" y="5359061"/>
-            <a:ext cx="3106008" cy="1008675"/>
+            <a:off x="7699664" y="5898688"/>
+            <a:ext cx="1444336" cy="469048"/>
           </a:xfrm>
           <a:prstGeom prst="rect">
             <a:avLst/>
@@ -5189,6 +5190,437 @@
     <p:extLst>
       <p:ext uri="{BB962C8B-B14F-4D97-AF65-F5344CB8AC3E}">
         <p14:creationId xmlns:p14="http://schemas.microsoft.com/office/powerpoint/2010/main" val="1360202476"/>
+      </p:ext>
+    </p:extLst>
+  </p:cSld>
+  <p:clrMapOvr>
+    <a:masterClrMapping/>
+  </p:clrMapOvr>
+</p:sld>
+</file>
+
+<file path=ppt/slides/slide4.xml><?xml version="1.0" encoding="utf-8"?>
+<p:sld xmlns:a="http://schemas.openxmlformats.org/drawingml/2006/main" xmlns:r="http://schemas.openxmlformats.org/officeDocument/2006/relationships" xmlns:p="http://schemas.openxmlformats.org/presentationml/2006/main">
+  <p:cSld>
+    <p:spTree>
+      <p:nvGrpSpPr>
+        <p:cNvPr id="1" name="">
+          <a:extLst>
+            <a:ext uri="{FF2B5EF4-FFF2-40B4-BE49-F238E27FC236}">
+              <a16:creationId xmlns:a16="http://schemas.microsoft.com/office/drawing/2014/main" id="{0C75D2CB-2F7E-2DD4-122E-545A48F631A5}"/>
+            </a:ext>
+          </a:extLst>
+        </p:cNvPr>
+        <p:cNvGrpSpPr/>
+        <p:nvPr/>
+      </p:nvGrpSpPr>
+      <p:grpSpPr>
+        <a:xfrm>
+          <a:off x="0" y="0"/>
+          <a:ext cx="0" cy="0"/>
+          <a:chOff x="0" y="0"/>
+          <a:chExt cx="0" cy="0"/>
+        </a:xfrm>
+      </p:grpSpPr>
+      <p:sp>
+        <p:nvSpPr>
+          <p:cNvPr id="6" name="Parallelogramma 5">
+            <a:extLst>
+              <a:ext uri="{FF2B5EF4-FFF2-40B4-BE49-F238E27FC236}">
+                <a16:creationId xmlns:a16="http://schemas.microsoft.com/office/drawing/2014/main" id="{7BB78157-6A88-179E-8CC7-5F77376CBAE2}"/>
+              </a:ext>
+            </a:extLst>
+          </p:cNvPr>
+          <p:cNvSpPr/>
+          <p:nvPr/>
+        </p:nvSpPr>
+        <p:spPr>
+          <a:xfrm>
+            <a:off x="-238532" y="6376663"/>
+            <a:ext cx="8472198" cy="481338"/>
+          </a:xfrm>
+          <a:prstGeom prst="parallelogram">
+            <a:avLst/>
+          </a:prstGeom>
+          <a:solidFill>
+            <a:srgbClr val="0F406B"/>
+          </a:solidFill>
+        </p:spPr>
+        <p:style>
+          <a:lnRef idx="1">
+            <a:schemeClr val="accent1"/>
+          </a:lnRef>
+          <a:fillRef idx="3">
+            <a:schemeClr val="accent1"/>
+          </a:fillRef>
+          <a:effectRef idx="2">
+            <a:schemeClr val="accent1"/>
+          </a:effectRef>
+          <a:fontRef idx="minor">
+            <a:schemeClr val="lt1"/>
+          </a:fontRef>
+        </p:style>
+        <p:txBody>
+          <a:bodyPr rtlCol="0" anchor="ctr"/>
+          <a:lstStyle/>
+          <a:p>
+            <a:pPr algn="ctr"/>
+            <a:endParaRPr lang="it-IT">
+              <a:solidFill>
+                <a:srgbClr val="0F406B"/>
+              </a:solidFill>
+            </a:endParaRPr>
+          </a:p>
+        </p:txBody>
+      </p:sp>
+      <p:pic>
+        <p:nvPicPr>
+          <p:cNvPr id="7" name="Immagine 6" descr="cherubino_pant541.eps">
+            <a:extLst>
+              <a:ext uri="{FF2B5EF4-FFF2-40B4-BE49-F238E27FC236}">
+                <a16:creationId xmlns:a16="http://schemas.microsoft.com/office/drawing/2014/main" id="{92AD95A9-4959-87EA-A7D6-5024D89BFFDF}"/>
+              </a:ext>
+            </a:extLst>
+          </p:cNvPr>
+          <p:cNvPicPr>
+            <a:picLocks noChangeAspect="1"/>
+          </p:cNvPicPr>
+          <p:nvPr/>
+        </p:nvPicPr>
+        <p:blipFill>
+          <a:blip r:embed="rId2">
+            <a:extLst>
+              <a:ext uri="{28A0092B-C50C-407E-A947-70E740481C1C}">
+                <a14:useLocalDpi xmlns:a14="http://schemas.microsoft.com/office/drawing/2010/main" val="0"/>
+              </a:ext>
+            </a:extLst>
+          </a:blip>
+          <a:stretch>
+            <a:fillRect/>
+          </a:stretch>
+        </p:blipFill>
+        <p:spPr>
+          <a:xfrm>
+            <a:off x="8458200" y="6376662"/>
+            <a:ext cx="459462" cy="469067"/>
+          </a:xfrm>
+          <a:prstGeom prst="rect">
+            <a:avLst/>
+          </a:prstGeom>
+        </p:spPr>
+      </p:pic>
+      <p:pic>
+        <p:nvPicPr>
+          <p:cNvPr id="8" name="Immagine 7" descr="logo_white.eps">
+            <a:extLst>
+              <a:ext uri="{FF2B5EF4-FFF2-40B4-BE49-F238E27FC236}">
+                <a16:creationId xmlns:a16="http://schemas.microsoft.com/office/drawing/2014/main" id="{A91A2A0E-4267-BFAE-D56E-D4A1D3130D93}"/>
+              </a:ext>
+            </a:extLst>
+          </p:cNvPr>
+          <p:cNvPicPr>
+            <a:picLocks noChangeAspect="1"/>
+          </p:cNvPicPr>
+          <p:nvPr/>
+        </p:nvPicPr>
+        <p:blipFill>
+          <a:blip r:embed="rId3">
+            <a:extLst>
+              <a:ext uri="{28A0092B-C50C-407E-A947-70E740481C1C}">
+                <a14:useLocalDpi xmlns:a14="http://schemas.microsoft.com/office/drawing/2010/main" val="0"/>
+              </a:ext>
+            </a:extLst>
+          </a:blip>
+          <a:stretch>
+            <a:fillRect/>
+          </a:stretch>
+        </p:blipFill>
+        <p:spPr>
+          <a:xfrm>
+            <a:off x="5457607" y="6502430"/>
+            <a:ext cx="2395665" cy="220877"/>
+          </a:xfrm>
+          <a:prstGeom prst="rect">
+            <a:avLst/>
+          </a:prstGeom>
+        </p:spPr>
+      </p:pic>
+      <p:sp>
+        <p:nvSpPr>
+          <p:cNvPr id="2" name="CasellaDiTesto 1">
+            <a:extLst>
+              <a:ext uri="{FF2B5EF4-FFF2-40B4-BE49-F238E27FC236}">
+                <a16:creationId xmlns:a16="http://schemas.microsoft.com/office/drawing/2014/main" id="{32BB3262-1ADC-32FE-5125-48CC900DD054}"/>
+              </a:ext>
+            </a:extLst>
+          </p:cNvPr>
+          <p:cNvSpPr txBox="1">
+            <a:spLocks noChangeArrowheads="1"/>
+          </p:cNvSpPr>
+          <p:nvPr/>
+        </p:nvSpPr>
+        <p:spPr bwMode="auto">
+          <a:xfrm>
+            <a:off x="842734" y="407269"/>
+            <a:ext cx="6309666" cy="553998"/>
+          </a:xfrm>
+          <a:prstGeom prst="rect">
+            <a:avLst/>
+          </a:prstGeom>
+          <a:noFill/>
+          <a:ln>
+            <a:noFill/>
+          </a:ln>
+          <a:extLst>
+            <a:ext uri="{909E8E84-426E-40DD-AFC4-6F175D3DCCD1}">
+              <a14:hiddenFill xmlns:a14="http://schemas.microsoft.com/office/drawing/2010/main">
+                <a:solidFill>
+                  <a:srgbClr val="FFFFFF"/>
+                </a:solidFill>
+              </a14:hiddenFill>
+            </a:ext>
+            <a:ext uri="{91240B29-F687-4F45-9708-019B960494DF}">
+              <a14:hiddenLine xmlns:a14="http://schemas.microsoft.com/office/drawing/2010/main" w="9525">
+                <a:solidFill>
+                  <a:srgbClr val="000000"/>
+                </a:solidFill>
+                <a:miter lim="800000"/>
+                <a:headEnd/>
+                <a:tailEnd/>
+              </a14:hiddenLine>
+            </a:ext>
+          </a:extLst>
+        </p:spPr>
+        <p:txBody>
+          <a:bodyPr wrap="square" lIns="91440" tIns="45720" rIns="91440" bIns="45720" anchor="t">
+            <a:spAutoFit/>
+          </a:bodyPr>
+          <a:lstStyle>
+            <a:lvl1pPr eaLnBrk="0" hangingPunct="0">
+              <a:defRPr sz="3000">
+                <a:solidFill>
+                  <a:srgbClr val="414141"/>
+                </a:solidFill>
+                <a:latin typeface="Gill Sans Light" charset="0"/>
+                <a:ea typeface="ヒラギノ角ゴ ProN W3" charset="0"/>
+                <a:cs typeface="ヒラギノ角ゴ ProN W3" charset="0"/>
+                <a:sym typeface="Gill Sans Light" charset="0"/>
+              </a:defRPr>
+            </a:lvl1pPr>
+            <a:lvl2pPr marL="742950" indent="-285750" eaLnBrk="0" hangingPunct="0">
+              <a:defRPr sz="3000">
+                <a:solidFill>
+                  <a:srgbClr val="414141"/>
+                </a:solidFill>
+                <a:latin typeface="Gill Sans Light" charset="0"/>
+                <a:ea typeface="ヒラギノ角ゴ ProN W3" charset="0"/>
+                <a:cs typeface="ヒラギノ角ゴ ProN W3" charset="0"/>
+                <a:sym typeface="Gill Sans Light" charset="0"/>
+              </a:defRPr>
+            </a:lvl2pPr>
+            <a:lvl3pPr marL="1143000" indent="-228600" eaLnBrk="0" hangingPunct="0">
+              <a:defRPr sz="3000">
+                <a:solidFill>
+                  <a:srgbClr val="414141"/>
+                </a:solidFill>
+                <a:latin typeface="Gill Sans Light" charset="0"/>
+                <a:ea typeface="ヒラギノ角ゴ ProN W3" charset="0"/>
+                <a:cs typeface="ヒラギノ角ゴ ProN W3" charset="0"/>
+                <a:sym typeface="Gill Sans Light" charset="0"/>
+              </a:defRPr>
+            </a:lvl3pPr>
+            <a:lvl4pPr marL="1600200" indent="-228600" eaLnBrk="0" hangingPunct="0">
+              <a:defRPr sz="3000">
+                <a:solidFill>
+                  <a:srgbClr val="414141"/>
+                </a:solidFill>
+                <a:latin typeface="Gill Sans Light" charset="0"/>
+                <a:ea typeface="ヒラギノ角ゴ ProN W3" charset="0"/>
+                <a:cs typeface="ヒラギノ角ゴ ProN W3" charset="0"/>
+                <a:sym typeface="Gill Sans Light" charset="0"/>
+              </a:defRPr>
+            </a:lvl4pPr>
+            <a:lvl5pPr marL="2057400" indent="-228600" eaLnBrk="0" hangingPunct="0">
+              <a:defRPr sz="3000">
+                <a:solidFill>
+                  <a:srgbClr val="414141"/>
+                </a:solidFill>
+                <a:latin typeface="Gill Sans Light" charset="0"/>
+                <a:ea typeface="ヒラギノ角ゴ ProN W3" charset="0"/>
+                <a:cs typeface="ヒラギノ角ゴ ProN W3" charset="0"/>
+                <a:sym typeface="Gill Sans Light" charset="0"/>
+              </a:defRPr>
+            </a:lvl5pPr>
+            <a:lvl6pPr marL="2514600" indent="-228600" algn="ctr" eaLnBrk="0" fontAlgn="base" hangingPunct="0">
+              <a:spcBef>
+                <a:spcPct val="0"/>
+              </a:spcBef>
+              <a:spcAft>
+                <a:spcPct val="0"/>
+              </a:spcAft>
+              <a:defRPr sz="3000">
+                <a:solidFill>
+                  <a:srgbClr val="414141"/>
+                </a:solidFill>
+                <a:latin typeface="Gill Sans Light" charset="0"/>
+                <a:ea typeface="ヒラギノ角ゴ ProN W3" charset="0"/>
+                <a:cs typeface="ヒラギノ角ゴ ProN W3" charset="0"/>
+                <a:sym typeface="Gill Sans Light" charset="0"/>
+              </a:defRPr>
+            </a:lvl6pPr>
+            <a:lvl7pPr marL="2971800" indent="-228600" algn="ctr" eaLnBrk="0" fontAlgn="base" hangingPunct="0">
+              <a:spcBef>
+                <a:spcPct val="0"/>
+              </a:spcBef>
+              <a:spcAft>
+                <a:spcPct val="0"/>
+              </a:spcAft>
+              <a:defRPr sz="3000">
+                <a:solidFill>
+                  <a:srgbClr val="414141"/>
+                </a:solidFill>
+                <a:latin typeface="Gill Sans Light" charset="0"/>
+                <a:ea typeface="ヒラギノ角ゴ ProN W3" charset="0"/>
+                <a:cs typeface="ヒラギノ角ゴ ProN W3" charset="0"/>
+                <a:sym typeface="Gill Sans Light" charset="0"/>
+              </a:defRPr>
+            </a:lvl7pPr>
+            <a:lvl8pPr marL="3429000" indent="-228600" algn="ctr" eaLnBrk="0" fontAlgn="base" hangingPunct="0">
+              <a:spcBef>
+                <a:spcPct val="0"/>
+              </a:spcBef>
+              <a:spcAft>
+                <a:spcPct val="0"/>
+              </a:spcAft>
+              <a:defRPr sz="3000">
+                <a:solidFill>
+                  <a:srgbClr val="414141"/>
+                </a:solidFill>
+                <a:latin typeface="Gill Sans Light" charset="0"/>
+                <a:ea typeface="ヒラギノ角ゴ ProN W3" charset="0"/>
+                <a:cs typeface="ヒラギノ角ゴ ProN W3" charset="0"/>
+                <a:sym typeface="Gill Sans Light" charset="0"/>
+              </a:defRPr>
+            </a:lvl8pPr>
+            <a:lvl9pPr marL="3886200" indent="-228600" algn="ctr" eaLnBrk="0" fontAlgn="base" hangingPunct="0">
+              <a:spcBef>
+                <a:spcPct val="0"/>
+              </a:spcBef>
+              <a:spcAft>
+                <a:spcPct val="0"/>
+              </a:spcAft>
+              <a:defRPr sz="3000">
+                <a:solidFill>
+                  <a:srgbClr val="414141"/>
+                </a:solidFill>
+                <a:latin typeface="Gill Sans Light" charset="0"/>
+                <a:ea typeface="ヒラギノ角ゴ ProN W3" charset="0"/>
+                <a:cs typeface="ヒラギノ角ゴ ProN W3" charset="0"/>
+                <a:sym typeface="Gill Sans Light" charset="0"/>
+              </a:defRPr>
+            </a:lvl9pPr>
+          </a:lstStyle>
+          <a:p>
+            <a:r>
+              <a:rPr lang="it-IT" dirty="0" err="1">
+                <a:latin typeface="Calibri"/>
+              </a:rPr>
+              <a:t>Modeling</a:t>
+            </a:r>
+            <a:r>
+              <a:rPr lang="it-IT" dirty="0">
+                <a:latin typeface="Calibri"/>
+              </a:rPr>
+              <a:t> </a:t>
+            </a:r>
+            <a:r>
+              <a:rPr lang="it-IT" dirty="0" err="1">
+                <a:latin typeface="Calibri"/>
+              </a:rPr>
+              <a:t>Tracked</a:t>
+            </a:r>
+            <a:r>
+              <a:rPr lang="it-IT" dirty="0">
+                <a:latin typeface="Calibri"/>
+              </a:rPr>
+              <a:t> </a:t>
+            </a:r>
+            <a:r>
+              <a:rPr lang="it-IT" dirty="0" err="1">
+                <a:latin typeface="Calibri"/>
+              </a:rPr>
+              <a:t>Wheels</a:t>
+            </a:r>
+            <a:endParaRPr lang="it-IT" dirty="0">
+              <a:latin typeface="Calibri"/>
+            </a:endParaRPr>
+          </a:p>
+        </p:txBody>
+      </p:sp>
+      <p:pic>
+        <p:nvPicPr>
+          <p:cNvPr id="9" name="Immagine 8">
+            <a:extLst>
+              <a:ext uri="{FF2B5EF4-FFF2-40B4-BE49-F238E27FC236}">
+                <a16:creationId xmlns:a16="http://schemas.microsoft.com/office/drawing/2014/main" id="{2D5EF73F-8DB7-411B-73E3-3262DA59A52E}"/>
+              </a:ext>
+            </a:extLst>
+          </p:cNvPr>
+          <p:cNvPicPr>
+            <a:picLocks noChangeAspect="1"/>
+          </p:cNvPicPr>
+          <p:nvPr/>
+        </p:nvPicPr>
+        <p:blipFill>
+          <a:blip r:embed="rId4"/>
+          <a:stretch>
+            <a:fillRect/>
+          </a:stretch>
+        </p:blipFill>
+        <p:spPr>
+          <a:xfrm>
+            <a:off x="993046" y="1023173"/>
+            <a:ext cx="7157908" cy="4811654"/>
+          </a:xfrm>
+          <a:prstGeom prst="rect">
+            <a:avLst/>
+          </a:prstGeom>
+        </p:spPr>
+      </p:pic>
+      <p:pic>
+        <p:nvPicPr>
+          <p:cNvPr id="10" name="Immagine 9">
+            <a:extLst>
+              <a:ext uri="{FF2B5EF4-FFF2-40B4-BE49-F238E27FC236}">
+                <a16:creationId xmlns:a16="http://schemas.microsoft.com/office/drawing/2014/main" id="{ABF28EC6-66F7-B685-2EEB-2F5E8C1CE6BA}"/>
+              </a:ext>
+            </a:extLst>
+          </p:cNvPr>
+          <p:cNvPicPr>
+            <a:picLocks noChangeAspect="1"/>
+          </p:cNvPicPr>
+          <p:nvPr/>
+        </p:nvPicPr>
+        <p:blipFill>
+          <a:blip r:embed="rId5"/>
+          <a:stretch>
+            <a:fillRect/>
+          </a:stretch>
+        </p:blipFill>
+        <p:spPr>
+          <a:xfrm>
+            <a:off x="7699664" y="5898688"/>
+            <a:ext cx="1444336" cy="469048"/>
+          </a:xfrm>
+          <a:prstGeom prst="rect">
+            <a:avLst/>
+          </a:prstGeom>
+        </p:spPr>
+      </p:pic>
+    </p:spTree>
+    <p:extLst>
+      <p:ext uri="{BB962C8B-B14F-4D97-AF65-F5344CB8AC3E}">
+        <p14:creationId xmlns:p14="http://schemas.microsoft.com/office/powerpoint/2010/main" val="4173357418"/>
       </p:ext>
     </p:extLst>
   </p:cSld>
